--- a/docs/ppt/xlang-intro.pptx
+++ b/docs/ppt/xlang-intro.pptx
@@ -305,7 +305,7 @@
           <a:p>
             <a:fld id="{781BEADB-AF5A-4392-865E-B1E711821C65}" type="datetimeFigureOut">
               <a:rPr lang="zh-CN" altLang="en-US" smtClean="0"/>
-              <a:t>2025/3/16</a:t>
+              <a:t>2025/3/17</a:t>
             </a:fld>
             <a:endParaRPr lang="zh-CN" altLang="en-US"/>
           </a:p>
@@ -503,7 +503,7 @@
           <a:p>
             <a:fld id="{781BEADB-AF5A-4392-865E-B1E711821C65}" type="datetimeFigureOut">
               <a:rPr lang="zh-CN" altLang="en-US" smtClean="0"/>
-              <a:t>2025/3/16</a:t>
+              <a:t>2025/3/17</a:t>
             </a:fld>
             <a:endParaRPr lang="zh-CN" altLang="en-US"/>
           </a:p>
@@ -711,7 +711,7 @@
           <a:p>
             <a:fld id="{781BEADB-AF5A-4392-865E-B1E711821C65}" type="datetimeFigureOut">
               <a:rPr lang="zh-CN" altLang="en-US" smtClean="0"/>
-              <a:t>2025/3/16</a:t>
+              <a:t>2025/3/17</a:t>
             </a:fld>
             <a:endParaRPr lang="zh-CN" altLang="en-US"/>
           </a:p>
@@ -909,7 +909,7 @@
           <a:p>
             <a:fld id="{781BEADB-AF5A-4392-865E-B1E711821C65}" type="datetimeFigureOut">
               <a:rPr lang="zh-CN" altLang="en-US" smtClean="0"/>
-              <a:t>2025/3/16</a:t>
+              <a:t>2025/3/17</a:t>
             </a:fld>
             <a:endParaRPr lang="zh-CN" altLang="en-US"/>
           </a:p>
@@ -1184,7 +1184,7 @@
           <a:p>
             <a:fld id="{781BEADB-AF5A-4392-865E-B1E711821C65}" type="datetimeFigureOut">
               <a:rPr lang="zh-CN" altLang="en-US" smtClean="0"/>
-              <a:t>2025/3/16</a:t>
+              <a:t>2025/3/17</a:t>
             </a:fld>
             <a:endParaRPr lang="zh-CN" altLang="en-US"/>
           </a:p>
@@ -1449,7 +1449,7 @@
           <a:p>
             <a:fld id="{781BEADB-AF5A-4392-865E-B1E711821C65}" type="datetimeFigureOut">
               <a:rPr lang="zh-CN" altLang="en-US" smtClean="0"/>
-              <a:t>2025/3/16</a:t>
+              <a:t>2025/3/17</a:t>
             </a:fld>
             <a:endParaRPr lang="zh-CN" altLang="en-US"/>
           </a:p>
@@ -1861,7 +1861,7 @@
           <a:p>
             <a:fld id="{781BEADB-AF5A-4392-865E-B1E711821C65}" type="datetimeFigureOut">
               <a:rPr lang="zh-CN" altLang="en-US" smtClean="0"/>
-              <a:t>2025/3/16</a:t>
+              <a:t>2025/3/17</a:t>
             </a:fld>
             <a:endParaRPr lang="zh-CN" altLang="en-US"/>
           </a:p>
@@ -2002,7 +2002,7 @@
           <a:p>
             <a:fld id="{781BEADB-AF5A-4392-865E-B1E711821C65}" type="datetimeFigureOut">
               <a:rPr lang="zh-CN" altLang="en-US" smtClean="0"/>
-              <a:t>2025/3/16</a:t>
+              <a:t>2025/3/17</a:t>
             </a:fld>
             <a:endParaRPr lang="zh-CN" altLang="en-US"/>
           </a:p>
@@ -2115,7 +2115,7 @@
           <a:p>
             <a:fld id="{781BEADB-AF5A-4392-865E-B1E711821C65}" type="datetimeFigureOut">
               <a:rPr lang="zh-CN" altLang="en-US" smtClean="0"/>
-              <a:t>2025/3/16</a:t>
+              <a:t>2025/3/17</a:t>
             </a:fld>
             <a:endParaRPr lang="zh-CN" altLang="en-US"/>
           </a:p>
@@ -2426,7 +2426,7 @@
           <a:p>
             <a:fld id="{781BEADB-AF5A-4392-865E-B1E711821C65}" type="datetimeFigureOut">
               <a:rPr lang="zh-CN" altLang="en-US" smtClean="0"/>
-              <a:t>2025/3/16</a:t>
+              <a:t>2025/3/17</a:t>
             </a:fld>
             <a:endParaRPr lang="zh-CN" altLang="en-US"/>
           </a:p>
@@ -2714,7 +2714,7 @@
           <a:p>
             <a:fld id="{781BEADB-AF5A-4392-865E-B1E711821C65}" type="datetimeFigureOut">
               <a:rPr lang="zh-CN" altLang="en-US" smtClean="0"/>
-              <a:t>2025/3/16</a:t>
+              <a:t>2025/3/17</a:t>
             </a:fld>
             <a:endParaRPr lang="zh-CN" altLang="en-US"/>
           </a:p>
@@ -2955,7 +2955,7 @@
           <a:p>
             <a:fld id="{781BEADB-AF5A-4392-865E-B1E711821C65}" type="datetimeFigureOut">
               <a:rPr lang="zh-CN" altLang="en-US" smtClean="0"/>
-              <a:t>2025/3/16</a:t>
+              <a:t>2025/3/17</a:t>
             </a:fld>
             <a:endParaRPr lang="zh-CN" altLang="en-US"/>
           </a:p>
@@ -4296,8 +4296,8 @@
           </a:p>
         </p:txBody>
       </p:sp>
-      <mc:AlternateContent xmlns:mc="http://schemas.openxmlformats.org/markup-compatibility/2006" xmlns:a14="http://schemas.microsoft.com/office/drawing/2010/main">
-        <mc:Choice Requires="a14">
+      <mc:AlternateContent xmlns:mc="http://schemas.openxmlformats.org/markup-compatibility/2006">
+        <mc:Choice xmlns:a14="http://schemas.microsoft.com/office/drawing/2010/main" Requires="a14">
           <p:sp>
             <p:nvSpPr>
               <p:cNvPr id="3" name="文本框 2">
@@ -4312,8 +4312,8 @@
             </p:nvSpPr>
             <p:spPr>
               <a:xfrm>
-                <a:off x="1954924" y="3826744"/>
-                <a:ext cx="7863839" cy="1938992"/>
+                <a:off x="573868" y="3858274"/>
+                <a:ext cx="9383634" cy="1938992"/>
               </a:xfrm>
               <a:prstGeom prst="rect">
                 <a:avLst/>
@@ -4329,7 +4329,7 @@
                 <a:pPr algn="ctr"/>
                 <a:r>
                   <a:rPr lang="zh-CN" altLang="en-US" sz="4000" dirty="0"/>
-                  <a:t>    图灵机：固定机器，无限数据</a:t>
+                  <a:t>         图灵机：固定机器，无限数据</a:t>
                 </a:r>
                 <a:endParaRPr lang="en-US" altLang="zh-CN" sz="4000" dirty="0"/>
               </a:p>
@@ -4338,16 +4338,19 @@
                 <a14:m>
                   <m:oMath xmlns:m="http://schemas.openxmlformats.org/officeDocument/2006/math">
                     <m:r>
+                      <m:rPr>
+                        <m:sty m:val="p"/>
+                      </m:rPr>
+                      <a:rPr lang="en-US" altLang="zh-CN" sz="4000" i="1">
+                        <a:latin typeface="Cambria Math" panose="02040503050406030204" pitchFamily="18" charset="0"/>
+                      </a:rPr>
+                      <m:t>L</m:t>
+                    </m:r>
+                    <m:r>
                       <a:rPr lang="en-US" altLang="zh-CN" sz="4000" b="0" i="1" smtClean="0">
                         <a:latin typeface="Cambria Math" panose="02040503050406030204" pitchFamily="18" charset="0"/>
                       </a:rPr>
-                      <m:t>       </m:t>
-                    </m:r>
-                    <m:r>
-                      <a:rPr lang="zh-CN" altLang="en-US" sz="4000" i="1" smtClean="0">
-                        <a:latin typeface="Cambria Math" panose="02040503050406030204" pitchFamily="18" charset="0"/>
-                      </a:rPr>
-                      <m:t>𝜆</m:t>
+                      <m:t>𝑎𝑚𝑏𝑑𝑎</m:t>
                     </m:r>
                     <m:r>
                       <a:rPr lang="zh-CN" altLang="en-US" sz="4000" i="1">
@@ -4367,14 +4370,14 @@
                 <a:pPr algn="ctr"/>
                 <a:r>
                   <a:rPr lang="zh-CN" altLang="en-US" sz="4000" dirty="0"/>
-                  <a:t>可逆计算：有限认知，微扰展开</a:t>
+                  <a:t>      可逆计算：有限认知，微扰展开</a:t>
                 </a:r>
                 <a:endParaRPr lang="en-US" altLang="zh-CN" sz="4000" dirty="0"/>
               </a:p>
             </p:txBody>
           </p:sp>
         </mc:Choice>
-        <mc:Fallback xmlns="">
+        <mc:Fallback>
           <p:sp>
             <p:nvSpPr>
               <p:cNvPr id="3" name="文本框 2">
@@ -4391,8 +4394,8 @@
             </p:nvSpPr>
             <p:spPr>
               <a:xfrm>
-                <a:off x="1954924" y="3826744"/>
-                <a:ext cx="7863839" cy="1938992"/>
+                <a:off x="573868" y="3858274"/>
+                <a:ext cx="9383634" cy="1938992"/>
               </a:xfrm>
               <a:prstGeom prst="rect">
                 <a:avLst/>
@@ -4409,7 +4412,7 @@
               <a:lstStyle/>
               <a:p>
                 <a:r>
-                  <a:rPr lang="en-US">
+                  <a:rPr lang="zh-CN" altLang="en-US">
                     <a:noFill/>
                   </a:rPr>
                   <a:t> </a:t>
@@ -4916,7 +4919,7 @@
         </p:nvSpPr>
         <p:spPr>
           <a:xfrm>
-            <a:off x="790418" y="4284336"/>
+            <a:off x="170268" y="4379449"/>
             <a:ext cx="10203443" cy="707886"/>
           </a:xfrm>
           <a:prstGeom prst="rect">
@@ -4933,7 +4936,7 @@
             <a:pPr algn="ctr"/>
             <a:r>
               <a:rPr lang="en-US" altLang="zh-CN" sz="4000" dirty="0"/>
-              <a:t>App = Delta x-extends Generator&lt;DSL&gt;</a:t>
+              <a:t>App = MDA + Delta</a:t>
             </a:r>
           </a:p>
         </p:txBody>
@@ -5050,8 +5053,8 @@
         </p:nvSpPr>
         <p:spPr>
           <a:xfrm>
-            <a:off x="1298121" y="5608864"/>
-            <a:ext cx="9429750" cy="584775"/>
+            <a:off x="903402" y="5577333"/>
+            <a:ext cx="10450398" cy="584775"/>
           </a:xfrm>
           <a:prstGeom prst="rect">
             <a:avLst/>
@@ -5066,7 +5069,15 @@
           <a:p>
             <a:r>
               <a:rPr lang="en-US" altLang="zh-CN" sz="3200" b="1" dirty="0"/>
-              <a:t> App = Build&lt;</a:t>
+              <a:t> App = </a:t>
+            </a:r>
+            <a:r>
+              <a:rPr lang="en-US" altLang="zh-CN" sz="3200" b="1" dirty="0" err="1"/>
+              <a:t>DockerBuild</a:t>
+            </a:r>
+            <a:r>
+              <a:rPr lang="en-US" altLang="zh-CN" sz="3200" b="1" dirty="0"/>
+              <a:t>&lt;</a:t>
             </a:r>
             <a:r>
               <a:rPr lang="en-US" altLang="zh-CN" sz="3200" b="1" dirty="0" err="1"/>
@@ -5200,7 +5211,7 @@
         <p:spPr>
           <a:xfrm>
             <a:off x="434688" y="267393"/>
-            <a:ext cx="4902421" cy="769441"/>
+            <a:ext cx="5814763" cy="769441"/>
           </a:xfrm>
           <a:prstGeom prst="rect">
             <a:avLst/>
@@ -5218,7 +5229,7 @@
                 <a:latin typeface="+mj-ea"/>
                 <a:ea typeface="+mj-ea"/>
               </a:rPr>
-              <a:t>可逆计算的实现</a:t>
+              <a:t>可逆计算的技术路线</a:t>
             </a:r>
           </a:p>
         </p:txBody>
@@ -7858,8 +7869,8 @@
         </p:nvSpPr>
         <p:spPr>
           <a:xfrm>
-            <a:off x="1352940" y="4189445"/>
-            <a:ext cx="8817428" cy="830997"/>
+            <a:off x="1352939" y="4189445"/>
+            <a:ext cx="9714454" cy="830997"/>
           </a:xfrm>
           <a:prstGeom prst="rect">
             <a:avLst/>
@@ -7882,7 +7893,18 @@
             </a:r>
             <a:r>
               <a:rPr lang="zh-CN" altLang="en-US" sz="2400" dirty="0"/>
-              <a:t>格式之间基本完全一致，将</a:t>
+              <a:t>格式完全一致，</a:t>
+            </a:r>
+            <a:endParaRPr lang="en-US" altLang="zh-CN" sz="2400" dirty="0"/>
+          </a:p>
+          <a:p>
+            <a:r>
+              <a:rPr lang="en-US" altLang="zh-CN" sz="2400" dirty="0"/>
+              <a:t>                  </a:t>
+            </a:r>
+            <a:r>
+              <a:rPr lang="zh-CN" altLang="en-US" sz="2400" dirty="0"/>
+              <a:t>将</a:t>
             </a:r>
             <a:r>
               <a:rPr lang="en-US" altLang="zh-CN" sz="2400" dirty="0"/>
@@ -7890,7 +7912,7 @@
             </a:r>
             <a:r>
               <a:rPr lang="zh-CN" altLang="en-US" sz="2400" dirty="0"/>
-              <a:t>节点的属性值替换为对应的类型声明即可</a:t>
+              <a:t>节点的属性值替换为对应的类型声明即可  </a:t>
             </a:r>
           </a:p>
         </p:txBody>

--- a/docs/ppt/xlang-intro.pptx
+++ b/docs/ppt/xlang-intro.pptx
@@ -305,7 +305,7 @@
           <a:p>
             <a:fld id="{781BEADB-AF5A-4392-865E-B1E711821C65}" type="datetimeFigureOut">
               <a:rPr lang="zh-CN" altLang="en-US" smtClean="0"/>
-              <a:t>2025/3/17</a:t>
+              <a:t>2025/4/19</a:t>
             </a:fld>
             <a:endParaRPr lang="zh-CN" altLang="en-US"/>
           </a:p>
@@ -503,7 +503,7 @@
           <a:p>
             <a:fld id="{781BEADB-AF5A-4392-865E-B1E711821C65}" type="datetimeFigureOut">
               <a:rPr lang="zh-CN" altLang="en-US" smtClean="0"/>
-              <a:t>2025/3/17</a:t>
+              <a:t>2025/4/19</a:t>
             </a:fld>
             <a:endParaRPr lang="zh-CN" altLang="en-US"/>
           </a:p>
@@ -711,7 +711,7 @@
           <a:p>
             <a:fld id="{781BEADB-AF5A-4392-865E-B1E711821C65}" type="datetimeFigureOut">
               <a:rPr lang="zh-CN" altLang="en-US" smtClean="0"/>
-              <a:t>2025/3/17</a:t>
+              <a:t>2025/4/19</a:t>
             </a:fld>
             <a:endParaRPr lang="zh-CN" altLang="en-US"/>
           </a:p>
@@ -909,7 +909,7 @@
           <a:p>
             <a:fld id="{781BEADB-AF5A-4392-865E-B1E711821C65}" type="datetimeFigureOut">
               <a:rPr lang="zh-CN" altLang="en-US" smtClean="0"/>
-              <a:t>2025/3/17</a:t>
+              <a:t>2025/4/19</a:t>
             </a:fld>
             <a:endParaRPr lang="zh-CN" altLang="en-US"/>
           </a:p>
@@ -1184,7 +1184,7 @@
           <a:p>
             <a:fld id="{781BEADB-AF5A-4392-865E-B1E711821C65}" type="datetimeFigureOut">
               <a:rPr lang="zh-CN" altLang="en-US" smtClean="0"/>
-              <a:t>2025/3/17</a:t>
+              <a:t>2025/4/19</a:t>
             </a:fld>
             <a:endParaRPr lang="zh-CN" altLang="en-US"/>
           </a:p>
@@ -1449,7 +1449,7 @@
           <a:p>
             <a:fld id="{781BEADB-AF5A-4392-865E-B1E711821C65}" type="datetimeFigureOut">
               <a:rPr lang="zh-CN" altLang="en-US" smtClean="0"/>
-              <a:t>2025/3/17</a:t>
+              <a:t>2025/4/19</a:t>
             </a:fld>
             <a:endParaRPr lang="zh-CN" altLang="en-US"/>
           </a:p>
@@ -1861,7 +1861,7 @@
           <a:p>
             <a:fld id="{781BEADB-AF5A-4392-865E-B1E711821C65}" type="datetimeFigureOut">
               <a:rPr lang="zh-CN" altLang="en-US" smtClean="0"/>
-              <a:t>2025/3/17</a:t>
+              <a:t>2025/4/19</a:t>
             </a:fld>
             <a:endParaRPr lang="zh-CN" altLang="en-US"/>
           </a:p>
@@ -2002,7 +2002,7 @@
           <a:p>
             <a:fld id="{781BEADB-AF5A-4392-865E-B1E711821C65}" type="datetimeFigureOut">
               <a:rPr lang="zh-CN" altLang="en-US" smtClean="0"/>
-              <a:t>2025/3/17</a:t>
+              <a:t>2025/4/19</a:t>
             </a:fld>
             <a:endParaRPr lang="zh-CN" altLang="en-US"/>
           </a:p>
@@ -2115,7 +2115,7 @@
           <a:p>
             <a:fld id="{781BEADB-AF5A-4392-865E-B1E711821C65}" type="datetimeFigureOut">
               <a:rPr lang="zh-CN" altLang="en-US" smtClean="0"/>
-              <a:t>2025/3/17</a:t>
+              <a:t>2025/4/19</a:t>
             </a:fld>
             <a:endParaRPr lang="zh-CN" altLang="en-US"/>
           </a:p>
@@ -2426,7 +2426,7 @@
           <a:p>
             <a:fld id="{781BEADB-AF5A-4392-865E-B1E711821C65}" type="datetimeFigureOut">
               <a:rPr lang="zh-CN" altLang="en-US" smtClean="0"/>
-              <a:t>2025/3/17</a:t>
+              <a:t>2025/4/19</a:t>
             </a:fld>
             <a:endParaRPr lang="zh-CN" altLang="en-US"/>
           </a:p>
@@ -2714,7 +2714,7 @@
           <a:p>
             <a:fld id="{781BEADB-AF5A-4392-865E-B1E711821C65}" type="datetimeFigureOut">
               <a:rPr lang="zh-CN" altLang="en-US" smtClean="0"/>
-              <a:t>2025/3/17</a:t>
+              <a:t>2025/4/19</a:t>
             </a:fld>
             <a:endParaRPr lang="zh-CN" altLang="en-US"/>
           </a:p>
@@ -2955,7 +2955,7 @@
           <a:p>
             <a:fld id="{781BEADB-AF5A-4392-865E-B1E711821C65}" type="datetimeFigureOut">
               <a:rPr lang="zh-CN" altLang="en-US" smtClean="0"/>
-              <a:t>2025/3/17</a:t>
+              <a:t>2025/4/19</a:t>
             </a:fld>
             <a:endParaRPr lang="zh-CN" altLang="en-US"/>
           </a:p>
@@ -4296,8 +4296,8 @@
           </a:p>
         </p:txBody>
       </p:sp>
-      <mc:AlternateContent xmlns:mc="http://schemas.openxmlformats.org/markup-compatibility/2006">
-        <mc:Choice xmlns:a14="http://schemas.microsoft.com/office/drawing/2010/main" Requires="a14">
+      <mc:AlternateContent xmlns:mc="http://schemas.openxmlformats.org/markup-compatibility/2006" xmlns:a14="http://schemas.microsoft.com/office/drawing/2010/main">
+        <mc:Choice Requires="a14">
           <p:sp>
             <p:nvSpPr>
               <p:cNvPr id="3" name="文本框 2">
@@ -4377,7 +4377,7 @@
             </p:txBody>
           </p:sp>
         </mc:Choice>
-        <mc:Fallback>
+        <mc:Fallback xmlns="">
           <p:sp>
             <p:nvSpPr>
               <p:cNvPr id="3" name="文本框 2">
@@ -10447,7 +10447,7 @@
         </p:spPr>
         <p:txBody>
           <a:bodyPr vert="horz" lIns="91440" tIns="45720" rIns="91440" bIns="45720" rtlCol="0">
-            <a:normAutofit/>
+            <a:normAutofit fontScale="92500" lnSpcReduction="20000"/>
           </a:bodyPr>
           <a:lstStyle>
             <a:lvl1pPr marL="228600" indent="-228600" algn="l" defTabSz="914400" rtl="0" eaLnBrk="1" latinLnBrk="0" hangingPunct="1">
@@ -10623,6 +10623,18 @@
                 <a:hlinkClick r:id="rId4"/>
               </a:rPr>
               <a:t>https://gitee.com/canonical-entropy/nop-entropy</a:t>
+            </a:r>
+            <a:endParaRPr lang="en-US" altLang="zh-CN" sz="2400" dirty="0"/>
+          </a:p>
+          <a:p>
+            <a:pPr marL="0" indent="0">
+              <a:buNone/>
+            </a:pPr>
+            <a:r>
+              <a:rPr lang="en-US" altLang="zh-CN" sz="2400" dirty="0">
+                <a:hlinkClick r:id="rId4"/>
+              </a:rPr>
+              <a:t>https://gitcode.com/canonical-entropy/nop-entropy</a:t>
             </a:r>
             <a:endParaRPr lang="en-US" altLang="zh-CN" sz="2400" dirty="0"/>
           </a:p>
